--- a/毕业设计/格局.pptx
+++ b/毕业设计/格局.pptx
@@ -8,6 +8,10 @@
     <p:sldId id="256" r:id="rId3"/>
     <p:sldId id="258" r:id="rId4"/>
     <p:sldId id="257" r:id="rId5"/>
+    <p:sldId id="260" r:id="rId6"/>
+    <p:sldId id="261" r:id="rId7"/>
+    <p:sldId id="262" r:id="rId8"/>
+    <p:sldId id="264" r:id="rId9"/>
   </p:sldIdLst>
   <p:sldSz cx="12192000" cy="6858000"/>
   <p:notesSz cx="7103745" cy="10234295"/>
@@ -2702,10 +2706,10 @@
               <a:t>	</a:t>
             </a:r>
             <a:r>
-              <a:rPr lang="zh-CN" altLang="en-US"/>
+              <a:rPr lang="zh-CN" altLang="en-US" sz="2800"/>
               <a:t>参考了微信app的交互流程，实现一个Android平台及时通讯系统，实现各类型客户端之间的互操性功能，提供好友的实时状态，随时随地与他人进行即时通讯交流。</a:t>
             </a:r>
-            <a:endParaRPr lang="zh-CN" altLang="en-US"/>
+            <a:endParaRPr lang="zh-CN" altLang="en-US" sz="2800"/>
           </a:p>
         </p:txBody>
       </p:sp>
@@ -3045,6 +3049,522 @@
           <a:xfrm>
             <a:off x="748665" y="1051560"/>
             <a:ext cx="10971530" cy="5373370"/>
+          </a:xfrm>
+          <a:prstGeom prst="rect">
+            <a:avLst/>
+          </a:prstGeom>
+        </p:spPr>
+      </p:pic>
+    </p:spTree>
+  </p:cSld>
+  <p:clrMapOvr>
+    <a:masterClrMapping/>
+  </p:clrMapOvr>
+</p:sld>
+</file>
+
+<file path=ppt/slides/slide4.xml><?xml version="1.0" encoding="utf-8"?>
+<p:sld xmlns:a="http://schemas.openxmlformats.org/drawingml/2006/main" xmlns:r="http://schemas.openxmlformats.org/officeDocument/2006/relationships" xmlns:p="http://schemas.openxmlformats.org/presentationml/2006/main">
+  <p:cSld>
+    <p:spTree>
+      <p:nvGrpSpPr>
+        <p:cNvPr id="1" name=""/>
+        <p:cNvGrpSpPr/>
+        <p:nvPr/>
+      </p:nvGrpSpPr>
+      <p:grpSpPr/>
+      <p:sp>
+        <p:nvSpPr>
+          <p:cNvPr id="2" name="标题 1"/>
+          <p:cNvSpPr>
+            <a:spLocks noGrp="1"/>
+          </p:cNvSpPr>
+          <p:nvPr>
+            <p:ph type="title"/>
+          </p:nvPr>
+        </p:nvSpPr>
+        <p:spPr>
+          <a:xfrm>
+            <a:off x="838200" y="499745"/>
+            <a:ext cx="10515600" cy="595630"/>
+          </a:xfrm>
+        </p:spPr>
+        <p:txBody>
+          <a:bodyPr>
+            <a:normAutofit fontScale="90000"/>
+          </a:bodyPr>
+          <a:p>
+            <a:r>
+              <a:rPr lang="zh-CN" altLang="en-US"/>
+              <a:t>主要界面图</a:t>
+            </a:r>
+            <a:r>
+              <a:rPr lang="en-US" altLang="zh-CN"/>
+              <a:t>1</a:t>
+            </a:r>
+            <a:r>
+              <a:rPr lang="zh-CN" altLang="en-US"/>
+              <a:t>：</a:t>
+            </a:r>
+            <a:endParaRPr lang="en-US" altLang="zh-CN"/>
+          </a:p>
+        </p:txBody>
+      </p:sp>
+      <p:pic>
+        <p:nvPicPr>
+          <p:cNvPr id="4" name="图片 3" descr="Screenshot_2017-04-16-02-43-16-999_app.yy.geju"/>
+          <p:cNvPicPr>
+            <a:picLocks noChangeAspect="1"/>
+          </p:cNvPicPr>
+          <p:nvPr/>
+        </p:nvPicPr>
+        <p:blipFill>
+          <a:blip r:embed="rId1"/>
+          <a:stretch>
+            <a:fillRect/>
+          </a:stretch>
+        </p:blipFill>
+        <p:spPr>
+          <a:xfrm>
+            <a:off x="4572635" y="1095375"/>
+            <a:ext cx="3047365" cy="5422265"/>
+          </a:xfrm>
+          <a:prstGeom prst="rect">
+            <a:avLst/>
+          </a:prstGeom>
+        </p:spPr>
+      </p:pic>
+      <p:pic>
+        <p:nvPicPr>
+          <p:cNvPr id="7" name="图片 6" descr="Screenshot_2017-04-15-23-15-45-169_app.yy.geju"/>
+          <p:cNvPicPr>
+            <a:picLocks noChangeAspect="1"/>
+          </p:cNvPicPr>
+          <p:nvPr/>
+        </p:nvPicPr>
+        <p:blipFill>
+          <a:blip r:embed="rId2"/>
+          <a:stretch>
+            <a:fillRect/>
+          </a:stretch>
+        </p:blipFill>
+        <p:spPr>
+          <a:xfrm>
+            <a:off x="7620000" y="1095375"/>
+            <a:ext cx="3049270" cy="5422265"/>
+          </a:xfrm>
+          <a:prstGeom prst="rect">
+            <a:avLst/>
+          </a:prstGeom>
+        </p:spPr>
+      </p:pic>
+      <p:pic>
+        <p:nvPicPr>
+          <p:cNvPr id="9" name="图片 8" descr="启动页"/>
+          <p:cNvPicPr>
+            <a:picLocks noChangeAspect="1"/>
+          </p:cNvPicPr>
+          <p:nvPr/>
+        </p:nvPicPr>
+        <p:blipFill>
+          <a:blip r:embed="rId3"/>
+          <a:stretch>
+            <a:fillRect/>
+          </a:stretch>
+        </p:blipFill>
+        <p:spPr>
+          <a:xfrm>
+            <a:off x="1652270" y="1095375"/>
+            <a:ext cx="2920365" cy="5193665"/>
+          </a:xfrm>
+          <a:prstGeom prst="rect">
+            <a:avLst/>
+          </a:prstGeom>
+        </p:spPr>
+      </p:pic>
+    </p:spTree>
+  </p:cSld>
+  <p:clrMapOvr>
+    <a:masterClrMapping/>
+  </p:clrMapOvr>
+</p:sld>
+</file>
+
+<file path=ppt/slides/slide5.xml><?xml version="1.0" encoding="utf-8"?>
+<p:sld xmlns:a="http://schemas.openxmlformats.org/drawingml/2006/main" xmlns:r="http://schemas.openxmlformats.org/officeDocument/2006/relationships" xmlns:p="http://schemas.openxmlformats.org/presentationml/2006/main">
+  <p:cSld>
+    <p:spTree>
+      <p:nvGrpSpPr>
+        <p:cNvPr id="1" name=""/>
+        <p:cNvGrpSpPr/>
+        <p:nvPr/>
+      </p:nvGrpSpPr>
+      <p:grpSpPr/>
+      <p:sp>
+        <p:nvSpPr>
+          <p:cNvPr id="2" name="标题 1"/>
+          <p:cNvSpPr>
+            <a:spLocks noGrp="1"/>
+          </p:cNvSpPr>
+          <p:nvPr>
+            <p:ph type="title"/>
+          </p:nvPr>
+        </p:nvSpPr>
+        <p:spPr>
+          <a:xfrm>
+            <a:off x="838200" y="350520"/>
+            <a:ext cx="10515600" cy="654685"/>
+          </a:xfrm>
+        </p:spPr>
+        <p:txBody>
+          <a:bodyPr>
+            <a:normAutofit fontScale="90000"/>
+          </a:bodyPr>
+          <a:p>
+            <a:r>
+              <a:rPr lang="zh-CN" altLang="en-US">
+                <a:sym typeface="+mn-ea"/>
+              </a:rPr>
+              <a:t>主要界面图</a:t>
+            </a:r>
+            <a:r>
+              <a:rPr lang="en-US" altLang="zh-CN">
+                <a:sym typeface="+mn-ea"/>
+              </a:rPr>
+              <a:t>2</a:t>
+            </a:r>
+            <a:r>
+              <a:rPr lang="zh-CN" altLang="en-US">
+                <a:sym typeface="+mn-ea"/>
+              </a:rPr>
+              <a:t>：</a:t>
+            </a:r>
+            <a:endParaRPr lang="zh-CN" altLang="en-US"/>
+          </a:p>
+        </p:txBody>
+      </p:sp>
+      <p:pic>
+        <p:nvPicPr>
+          <p:cNvPr id="4" name="图片 3" descr="Screenshot_2017-04-15-23-15-55-625_com.miui.home"/>
+          <p:cNvPicPr>
+            <a:picLocks noChangeAspect="1"/>
+          </p:cNvPicPr>
+          <p:nvPr/>
+        </p:nvPicPr>
+        <p:blipFill>
+          <a:blip r:embed="rId1"/>
+          <a:stretch>
+            <a:fillRect/>
+          </a:stretch>
+        </p:blipFill>
+        <p:spPr>
+          <a:xfrm>
+            <a:off x="4572000" y="1005205"/>
+            <a:ext cx="3047365" cy="5422265"/>
+          </a:xfrm>
+          <a:prstGeom prst="rect">
+            <a:avLst/>
+          </a:prstGeom>
+        </p:spPr>
+      </p:pic>
+      <p:pic>
+        <p:nvPicPr>
+          <p:cNvPr id="5" name="图片 4" descr="Screenshot_2017-04-15-23-16-00-922_app.yy.geju"/>
+          <p:cNvPicPr>
+            <a:picLocks noChangeAspect="1"/>
+          </p:cNvPicPr>
+          <p:nvPr/>
+        </p:nvPicPr>
+        <p:blipFill>
+          <a:blip r:embed="rId2"/>
+          <a:stretch>
+            <a:fillRect/>
+          </a:stretch>
+        </p:blipFill>
+        <p:spPr>
+          <a:xfrm>
+            <a:off x="7619365" y="1005205"/>
+            <a:ext cx="3047365" cy="5422265"/>
+          </a:xfrm>
+          <a:prstGeom prst="rect">
+            <a:avLst/>
+          </a:prstGeom>
+        </p:spPr>
+      </p:pic>
+      <p:pic>
+        <p:nvPicPr>
+          <p:cNvPr id="6" name="图片 5" descr="Screenshot_2017-04-15-23-15-50-639_app.yy.geju"/>
+          <p:cNvPicPr>
+            <a:picLocks noChangeAspect="1"/>
+          </p:cNvPicPr>
+          <p:nvPr/>
+        </p:nvPicPr>
+        <p:blipFill>
+          <a:blip r:embed="rId3"/>
+          <a:stretch>
+            <a:fillRect/>
+          </a:stretch>
+        </p:blipFill>
+        <p:spPr>
+          <a:xfrm>
+            <a:off x="1524635" y="1005205"/>
+            <a:ext cx="3047365" cy="5422265"/>
+          </a:xfrm>
+          <a:prstGeom prst="rect">
+            <a:avLst/>
+          </a:prstGeom>
+        </p:spPr>
+      </p:pic>
+    </p:spTree>
+  </p:cSld>
+  <p:clrMapOvr>
+    <a:masterClrMapping/>
+  </p:clrMapOvr>
+</p:sld>
+</file>
+
+<file path=ppt/slides/slide6.xml><?xml version="1.0" encoding="utf-8"?>
+<p:sld xmlns:a="http://schemas.openxmlformats.org/drawingml/2006/main" xmlns:r="http://schemas.openxmlformats.org/officeDocument/2006/relationships" xmlns:p="http://schemas.openxmlformats.org/presentationml/2006/main">
+  <p:cSld>
+    <p:spTree>
+      <p:nvGrpSpPr>
+        <p:cNvPr id="1" name=""/>
+        <p:cNvGrpSpPr/>
+        <p:nvPr/>
+      </p:nvGrpSpPr>
+      <p:grpSpPr/>
+      <p:sp>
+        <p:nvSpPr>
+          <p:cNvPr id="2" name="标题 1"/>
+          <p:cNvSpPr>
+            <a:spLocks noGrp="1"/>
+          </p:cNvSpPr>
+          <p:nvPr>
+            <p:ph type="title"/>
+          </p:nvPr>
+        </p:nvSpPr>
+        <p:spPr>
+          <a:xfrm>
+            <a:off x="838200" y="365125"/>
+            <a:ext cx="10515600" cy="1028700"/>
+          </a:xfrm>
+        </p:spPr>
+        <p:txBody>
+          <a:bodyPr/>
+          <a:p>
+            <a:r>
+              <a:rPr lang="zh-CN" altLang="en-US"/>
+              <a:t>主要模块交互结构：</a:t>
+            </a:r>
+            <a:r>
+              <a:rPr lang="en-US" altLang="zh-CN">
+                <a:sym typeface="+mn-ea"/>
+              </a:rPr>
+              <a:t>“</a:t>
+            </a:r>
+            <a:r>
+              <a:rPr lang="zh-CN" altLang="en-US">
+                <a:sym typeface="+mn-ea"/>
+              </a:rPr>
+              <a:t>我的格局</a:t>
+            </a:r>
+            <a:r>
+              <a:rPr lang="en-US" altLang="zh-CN">
+                <a:sym typeface="+mn-ea"/>
+              </a:rPr>
+              <a:t>”</a:t>
+            </a:r>
+            <a:r>
+              <a:rPr lang="zh-CN" altLang="en-US"/>
+              <a:t>模块</a:t>
+            </a:r>
+            <a:endParaRPr lang="en-US" altLang="zh-CN"/>
+          </a:p>
+        </p:txBody>
+      </p:sp>
+      <p:pic>
+        <p:nvPicPr>
+          <p:cNvPr id="4" name="图片 3" descr="我的格局"/>
+          <p:cNvPicPr>
+            <a:picLocks noChangeAspect="1"/>
+          </p:cNvPicPr>
+          <p:nvPr/>
+        </p:nvPicPr>
+        <p:blipFill>
+          <a:blip r:embed="rId1"/>
+          <a:stretch>
+            <a:fillRect/>
+          </a:stretch>
+        </p:blipFill>
+        <p:spPr>
+          <a:xfrm>
+            <a:off x="2014855" y="1393825"/>
+            <a:ext cx="8162290" cy="4965065"/>
+          </a:xfrm>
+          <a:prstGeom prst="rect">
+            <a:avLst/>
+          </a:prstGeom>
+        </p:spPr>
+      </p:pic>
+    </p:spTree>
+  </p:cSld>
+  <p:clrMapOvr>
+    <a:masterClrMapping/>
+  </p:clrMapOvr>
+</p:sld>
+</file>
+
+<file path=ppt/slides/slide7.xml><?xml version="1.0" encoding="utf-8"?>
+<p:sld xmlns:a="http://schemas.openxmlformats.org/drawingml/2006/main" xmlns:r="http://schemas.openxmlformats.org/officeDocument/2006/relationships" xmlns:p="http://schemas.openxmlformats.org/presentationml/2006/main">
+  <p:cSld>
+    <p:spTree>
+      <p:nvGrpSpPr>
+        <p:cNvPr id="1" name=""/>
+        <p:cNvGrpSpPr/>
+        <p:nvPr/>
+      </p:nvGrpSpPr>
+      <p:grpSpPr/>
+      <p:sp>
+        <p:nvSpPr>
+          <p:cNvPr id="2" name="标题 1"/>
+          <p:cNvSpPr>
+            <a:spLocks noGrp="1"/>
+          </p:cNvSpPr>
+          <p:nvPr>
+            <p:ph type="title"/>
+          </p:nvPr>
+        </p:nvSpPr>
+        <p:spPr>
+          <a:xfrm>
+            <a:off x="838200" y="365125"/>
+            <a:ext cx="10515600" cy="1028700"/>
+          </a:xfrm>
+        </p:spPr>
+        <p:txBody>
+          <a:bodyPr/>
+          <a:p>
+            <a:r>
+              <a:rPr lang="zh-CN" altLang="en-US"/>
+              <a:t>日程，名片，直播，全局搜索，公告</a:t>
+            </a:r>
+            <a:endParaRPr lang="zh-CN" altLang="en-US"/>
+          </a:p>
+        </p:txBody>
+      </p:sp>
+      <p:pic>
+        <p:nvPicPr>
+          <p:cNvPr id="3" name="图片 2" descr="日程"/>
+          <p:cNvPicPr>
+            <a:picLocks noChangeAspect="1"/>
+          </p:cNvPicPr>
+          <p:nvPr/>
+        </p:nvPicPr>
+        <p:blipFill>
+          <a:blip r:embed="rId1"/>
+          <a:stretch>
+            <a:fillRect/>
+          </a:stretch>
+        </p:blipFill>
+        <p:spPr>
+          <a:xfrm>
+            <a:off x="939800" y="1393825"/>
+            <a:ext cx="4276090" cy="1438275"/>
+          </a:xfrm>
+          <a:prstGeom prst="rect">
+            <a:avLst/>
+          </a:prstGeom>
+        </p:spPr>
+      </p:pic>
+      <p:pic>
+        <p:nvPicPr>
+          <p:cNvPr id="5" name="图片 4" descr="名片管理"/>
+          <p:cNvPicPr>
+            <a:picLocks noChangeAspect="1"/>
+          </p:cNvPicPr>
+          <p:nvPr/>
+        </p:nvPicPr>
+        <p:blipFill>
+          <a:blip r:embed="rId2"/>
+          <a:stretch>
+            <a:fillRect/>
+          </a:stretch>
+        </p:blipFill>
+        <p:spPr>
+          <a:xfrm>
+            <a:off x="5953760" y="1393825"/>
+            <a:ext cx="4809490" cy="1657350"/>
+          </a:xfrm>
+          <a:prstGeom prst="rect">
+            <a:avLst/>
+          </a:prstGeom>
+        </p:spPr>
+      </p:pic>
+      <p:pic>
+        <p:nvPicPr>
+          <p:cNvPr id="6" name="图片 5" descr="直播"/>
+          <p:cNvPicPr>
+            <a:picLocks noChangeAspect="1"/>
+          </p:cNvPicPr>
+          <p:nvPr/>
+        </p:nvPicPr>
+        <p:blipFill>
+          <a:blip r:embed="rId3"/>
+          <a:stretch>
+            <a:fillRect/>
+          </a:stretch>
+        </p:blipFill>
+        <p:spPr>
+          <a:xfrm>
+            <a:off x="1311275" y="3051175"/>
+            <a:ext cx="3904615" cy="1438275"/>
+          </a:xfrm>
+          <a:prstGeom prst="rect">
+            <a:avLst/>
+          </a:prstGeom>
+        </p:spPr>
+      </p:pic>
+      <p:pic>
+        <p:nvPicPr>
+          <p:cNvPr id="7" name="图片 6" descr="全局搜索"/>
+          <p:cNvPicPr>
+            <a:picLocks noChangeAspect="1"/>
+          </p:cNvPicPr>
+          <p:nvPr/>
+        </p:nvPicPr>
+        <p:blipFill>
+          <a:blip r:embed="rId4"/>
+          <a:stretch>
+            <a:fillRect/>
+          </a:stretch>
+        </p:blipFill>
+        <p:spPr>
+          <a:xfrm>
+            <a:off x="6691630" y="3051175"/>
+            <a:ext cx="3333115" cy="1733550"/>
+          </a:xfrm>
+          <a:prstGeom prst="rect">
+            <a:avLst/>
+          </a:prstGeom>
+        </p:spPr>
+      </p:pic>
+      <p:pic>
+        <p:nvPicPr>
+          <p:cNvPr id="8" name="图片 7" descr="发布公告"/>
+          <p:cNvPicPr>
+            <a:picLocks noChangeAspect="1"/>
+          </p:cNvPicPr>
+          <p:nvPr/>
+        </p:nvPicPr>
+        <p:blipFill>
+          <a:blip r:embed="rId5"/>
+          <a:stretch>
+            <a:fillRect/>
+          </a:stretch>
+        </p:blipFill>
+        <p:spPr>
+          <a:xfrm>
+            <a:off x="3095625" y="4784725"/>
+            <a:ext cx="6000115" cy="2009775"/>
           </a:xfrm>
           <a:prstGeom prst="rect">
             <a:avLst/>
